--- a/docs/04 用户手册/即时排队系统.pptx
+++ b/docs/04 用户手册/即时排队系统.pptx
@@ -5,20 +5,20 @@
     <p:sldMasterId id="2147483712" r:id="rId1"/>
   </p:sldMasterIdLst>
   <p:notesMasterIdLst>
-    <p:notesMasterId r:id="rId23"/>
+    <p:notesMasterId r:id="rId25"/>
   </p:notesMasterIdLst>
   <p:handoutMasterIdLst>
-    <p:handoutMasterId r:id="rId24"/>
+    <p:handoutMasterId r:id="rId26"/>
   </p:handoutMasterIdLst>
   <p:sldIdLst>
     <p:sldId id="257" r:id="rId2"/>
     <p:sldId id="260" r:id="rId3"/>
     <p:sldId id="265" r:id="rId4"/>
     <p:sldId id="266" r:id="rId5"/>
-    <p:sldId id="267" r:id="rId6"/>
-    <p:sldId id="269" r:id="rId7"/>
-    <p:sldId id="268" r:id="rId8"/>
-    <p:sldId id="276" r:id="rId9"/>
+    <p:sldId id="276" r:id="rId6"/>
+    <p:sldId id="267" r:id="rId7"/>
+    <p:sldId id="269" r:id="rId8"/>
+    <p:sldId id="268" r:id="rId9"/>
     <p:sldId id="264" r:id="rId10"/>
     <p:sldId id="259" r:id="rId11"/>
     <p:sldId id="261" r:id="rId12"/>
@@ -31,7 +31,9 @@
     <p:sldId id="274" r:id="rId19"/>
     <p:sldId id="275" r:id="rId20"/>
     <p:sldId id="278" r:id="rId21"/>
-    <p:sldId id="277" r:id="rId22"/>
+    <p:sldId id="279" r:id="rId22"/>
+    <p:sldId id="280" r:id="rId23"/>
+    <p:sldId id="277" r:id="rId24"/>
   </p:sldIdLst>
   <p:sldSz cx="12192000" cy="6858000"/>
   <p:notesSz cx="6858000" cy="9144000"/>
@@ -897,7 +899,7 @@
             <a:pPr rtl="0"/>
             <a:fld id="{3FDE3333-857A-4131-9EBA-B73C0C259FD7}" type="datetime1">
               <a:rPr lang="zh-CN" altLang="en-US" smtClean="0"/>
-              <a:t>2021/8/2</a:t>
+              <a:t>2021/8/5</a:t>
             </a:fld>
             <a:endParaRPr lang="en-US"/>
           </a:p>
@@ -1067,7 +1069,7 @@
             <a:pPr rtl="0"/>
             <a:fld id="{8CD12D00-6AAC-4A94-B2E5-A12E9C579B03}" type="datetime1">
               <a:rPr lang="zh-CN" altLang="en-US" smtClean="0"/>
-              <a:t>2021/8/2</a:t>
+              <a:t>2021/8/5</a:t>
             </a:fld>
             <a:endParaRPr lang="en-US"/>
           </a:p>
@@ -1581,7 +1583,7 @@
             <a:pPr rtl="0"/>
             <a:fld id="{73594A98-8FB4-4076-AE7B-5D3B1A2CBC70}" type="datetime1">
               <a:rPr lang="zh-CN" altLang="en-US" smtClean="0"/>
-              <a:t>2021/8/2</a:t>
+              <a:t>2021/8/5</a:t>
             </a:fld>
             <a:endParaRPr lang="en-US" dirty="0"/>
           </a:p>
@@ -1788,7 +1790,7 @@
             <a:pPr rtl="0"/>
             <a:fld id="{B3E0F2F7-3EF1-4761-ABAF-2FA9DDE4F1A8}" type="datetime1">
               <a:rPr lang="zh-CN" altLang="en-US" smtClean="0"/>
-              <a:t>2021/8/2</a:t>
+              <a:t>2021/8/5</a:t>
             </a:fld>
             <a:endParaRPr lang="en-US" dirty="0"/>
           </a:p>
@@ -2154,7 +2156,7 @@
             <a:pPr rtl="0"/>
             <a:fld id="{D563FC6D-277D-4D53-8EB6-E41026A24247}" type="datetime1">
               <a:rPr lang="zh-CN" altLang="en-US" smtClean="0"/>
-              <a:t>2021/8/2</a:t>
+              <a:t>2021/8/5</a:t>
             </a:fld>
             <a:endParaRPr lang="en-US" dirty="0"/>
           </a:p>
@@ -2356,7 +2358,7 @@
             <a:pPr rtl="0"/>
             <a:fld id="{F24FFC25-0C05-49C8-B150-3CF6B89B5C55}" type="datetime1">
               <a:rPr lang="zh-CN" altLang="en-US" smtClean="0"/>
-              <a:t>2021/8/2</a:t>
+              <a:t>2021/8/5</a:t>
             </a:fld>
             <a:endParaRPr lang="en-US" dirty="0"/>
           </a:p>
@@ -2672,7 +2674,7 @@
             <a:pPr rtl="0"/>
             <a:fld id="{DFC14310-5240-428A-850A-F7101D16AE5A}" type="datetime1">
               <a:rPr lang="zh-CN" altLang="en-US" smtClean="0"/>
-              <a:t>2021/8/2</a:t>
+              <a:t>2021/8/5</a:t>
             </a:fld>
             <a:endParaRPr lang="en-US" dirty="0"/>
           </a:p>
@@ -2929,7 +2931,7 @@
             <a:pPr rtl="0"/>
             <a:fld id="{71F85B13-09B0-4D01-A286-57280995F924}" type="datetime1">
               <a:rPr lang="zh-CN" altLang="en-US" smtClean="0"/>
-              <a:t>2021/8/2</a:t>
+              <a:t>2021/8/5</a:t>
             </a:fld>
             <a:endParaRPr lang="en-US" dirty="0"/>
           </a:p>
@@ -3355,7 +3357,7 @@
             <a:pPr rtl="0"/>
             <a:fld id="{F411FE78-D258-4188-9C5F-198CC4CE7F12}" type="datetime1">
               <a:rPr lang="zh-CN" altLang="en-US" smtClean="0"/>
-              <a:t>2021/8/2</a:t>
+              <a:t>2021/8/5</a:t>
             </a:fld>
             <a:endParaRPr lang="en-US" dirty="0"/>
           </a:p>
@@ -3482,7 +3484,7 @@
             <a:pPr rtl="0"/>
             <a:fld id="{BE491C52-D618-41DD-80F2-22500A780186}" type="datetime1">
               <a:rPr lang="zh-CN" altLang="en-US" smtClean="0"/>
-              <a:t>2021/8/2</a:t>
+              <a:t>2021/8/5</a:t>
             </a:fld>
             <a:endParaRPr lang="en-US" dirty="0"/>
           </a:p>
@@ -3580,7 +3582,7 @@
             <a:pPr rtl="0"/>
             <a:fld id="{26EE3488-748A-4EA8-9571-9D5A1694FA0A}" type="datetime1">
               <a:rPr lang="zh-CN" altLang="en-US" smtClean="0"/>
-              <a:t>2021/8/2</a:t>
+              <a:t>2021/8/5</a:t>
             </a:fld>
             <a:endParaRPr lang="en-US" dirty="0"/>
           </a:p>
@@ -3961,7 +3963,7 @@
             <a:pPr rtl="0"/>
             <a:fld id="{D7791703-7779-4492-8183-3F96B27D2540}" type="datetime1">
               <a:rPr lang="zh-CN" altLang="en-US" smtClean="0"/>
-              <a:t>2021/8/2</a:t>
+              <a:t>2021/8/5</a:t>
             </a:fld>
             <a:endParaRPr lang="en-US" dirty="0"/>
           </a:p>
@@ -4259,7 +4261,7 @@
             <a:pPr rtl="0"/>
             <a:fld id="{D4D22F12-409A-40D9-8774-D34C978752A7}" type="datetime1">
               <a:rPr lang="zh-CN" altLang="en-US" smtClean="0"/>
-              <a:t>2021/8/2</a:t>
+              <a:t>2021/8/5</a:t>
             </a:fld>
             <a:endParaRPr lang="en-US" dirty="0"/>
           </a:p>
@@ -4478,7 +4480,7 @@
           <a:p>
             <a:fld id="{4400FF2F-BAC0-4F33-9E13-F8F6FA55A14D}" type="datetime1">
               <a:rPr lang="zh-CN" altLang="en-US" smtClean="0"/>
-              <a:t>2021/8/2</a:t>
+              <a:t>2021/8/5</a:t>
             </a:fld>
             <a:endParaRPr lang="en-US" dirty="0"/>
           </a:p>
@@ -7646,7 +7648,7 @@
             <a:pPr rtl="0"/>
             <a:fld id="{F24FFC25-0C05-49C8-B150-3CF6B89B5C55}" type="datetime1">
               <a:rPr lang="zh-CN" altLang="en-US" smtClean="0"/>
-              <a:t>2021/8/2</a:t>
+              <a:t>2021/8/5</a:t>
             </a:fld>
             <a:endParaRPr lang="en-US" dirty="0"/>
           </a:p>
@@ -10022,7 +10024,7 @@
             <a:pPr rtl="0"/>
             <a:fld id="{F24FFC25-0C05-49C8-B150-3CF6B89B5C55}" type="datetime1">
               <a:rPr lang="zh-CN" altLang="en-US" smtClean="0"/>
-              <a:t>2021/8/2</a:t>
+              <a:t>2021/8/5</a:t>
             </a:fld>
             <a:endParaRPr lang="en-US" dirty="0"/>
           </a:p>
@@ -11867,7 +11869,7 @@
             <a:pPr rtl="0"/>
             <a:fld id="{F24FFC25-0C05-49C8-B150-3CF6B89B5C55}" type="datetime1">
               <a:rPr lang="zh-CN" altLang="en-US" smtClean="0"/>
-              <a:t>2021/8/2</a:t>
+              <a:t>2021/8/5</a:t>
             </a:fld>
             <a:endParaRPr lang="en-US" dirty="0"/>
           </a:p>
@@ -13030,7 +13032,7 @@
             <a:pPr rtl="0"/>
             <a:fld id="{F24FFC25-0C05-49C8-B150-3CF6B89B5C55}" type="datetime1">
               <a:rPr lang="zh-CN" altLang="en-US" smtClean="0"/>
-              <a:t>2021/8/2</a:t>
+              <a:t>2021/8/5</a:t>
             </a:fld>
             <a:endParaRPr lang="en-US" dirty="0"/>
           </a:p>
@@ -13286,7 +13288,7 @@
             <a:pPr rtl="0"/>
             <a:fld id="{F24FFC25-0C05-49C8-B150-3CF6B89B5C55}" type="datetime1">
               <a:rPr lang="zh-CN" altLang="en-US" smtClean="0"/>
-              <a:t>2021/8/2</a:t>
+              <a:t>2021/8/5</a:t>
             </a:fld>
             <a:endParaRPr lang="en-US" dirty="0"/>
           </a:p>
@@ -13523,7 +13525,7 @@
             <a:pPr rtl="0"/>
             <a:fld id="{F24FFC25-0C05-49C8-B150-3CF6B89B5C55}" type="datetime1">
               <a:rPr lang="zh-CN" altLang="en-US" smtClean="0"/>
-              <a:t>2021/8/2</a:t>
+              <a:t>2021/8/5</a:t>
             </a:fld>
             <a:endParaRPr lang="en-US" dirty="0"/>
           </a:p>
@@ -13670,7 +13672,7 @@
             <a:pPr rtl="0"/>
             <a:fld id="{F24FFC25-0C05-49C8-B150-3CF6B89B5C55}" type="datetime1">
               <a:rPr lang="zh-CN" altLang="en-US" smtClean="0"/>
-              <a:t>2021/8/2</a:t>
+              <a:t>2021/8/5</a:t>
             </a:fld>
             <a:endParaRPr lang="en-US" dirty="0"/>
           </a:p>
@@ -13817,7 +13819,7 @@
             <a:pPr rtl="0"/>
             <a:fld id="{F24FFC25-0C05-49C8-B150-3CF6B89B5C55}" type="datetime1">
               <a:rPr lang="zh-CN" altLang="en-US" smtClean="0"/>
-              <a:t>2021/8/2</a:t>
+              <a:t>2021/8/5</a:t>
             </a:fld>
             <a:endParaRPr lang="en-US" dirty="0"/>
           </a:p>
@@ -13964,7 +13966,7 @@
             <a:pPr rtl="0"/>
             <a:fld id="{F24FFC25-0C05-49C8-B150-3CF6B89B5C55}" type="datetime1">
               <a:rPr lang="zh-CN" altLang="en-US" smtClean="0"/>
-              <a:t>2021/8/2</a:t>
+              <a:t>2021/8/5</a:t>
             </a:fld>
             <a:endParaRPr lang="en-US" dirty="0"/>
           </a:p>
@@ -14250,7 +14252,7 @@
             <a:pPr rtl="0"/>
             <a:fld id="{F24FFC25-0C05-49C8-B150-3CF6B89B5C55}" type="datetime1">
               <a:rPr lang="zh-CN" altLang="en-US" smtClean="0"/>
-              <a:t>2021/8/3</a:t>
+              <a:t>2021/8/5</a:t>
             </a:fld>
             <a:endParaRPr lang="en-US" dirty="0"/>
           </a:p>
@@ -14270,6 +14272,262 @@
 </file>
 
 <file path=ppt/slides/slide21.xml><?xml version="1.0" encoding="utf-8"?>
+<p:sld xmlns:a="http://schemas.openxmlformats.org/drawingml/2006/main" xmlns:r="http://schemas.openxmlformats.org/officeDocument/2006/relationships" xmlns:p="http://schemas.openxmlformats.org/presentationml/2006/main">
+  <p:cSld>
+    <p:spTree>
+      <p:nvGrpSpPr>
+        <p:cNvPr id="1" name=""/>
+        <p:cNvGrpSpPr/>
+        <p:nvPr/>
+      </p:nvGrpSpPr>
+      <p:grpSpPr>
+        <a:xfrm>
+          <a:off x="0" y="0"/>
+          <a:ext cx="0" cy="0"/>
+          <a:chOff x="0" y="0"/>
+          <a:chExt cx="0" cy="0"/>
+        </a:xfrm>
+      </p:grpSpPr>
+      <p:sp>
+        <p:nvSpPr>
+          <p:cNvPr id="2" name="标题 1">
+            <a:extLst>
+              <a:ext uri="{FF2B5EF4-FFF2-40B4-BE49-F238E27FC236}">
+                <a16:creationId xmlns:a16="http://schemas.microsoft.com/office/drawing/2014/main" id="{1C21E816-31F5-48BB-BD02-D15F2F18B48A}"/>
+              </a:ext>
+            </a:extLst>
+          </p:cNvPr>
+          <p:cNvSpPr>
+            <a:spLocks noGrp="1"/>
+          </p:cNvSpPr>
+          <p:nvPr>
+            <p:ph type="ctrTitle"/>
+          </p:nvPr>
+        </p:nvSpPr>
+        <p:spPr>
+          <a:xfrm>
+            <a:off x="581191" y="1020431"/>
+            <a:ext cx="10993549" cy="1475013"/>
+          </a:xfrm>
+        </p:spPr>
+        <p:txBody>
+          <a:bodyPr rtlCol="0">
+            <a:normAutofit/>
+          </a:bodyPr>
+          <a:lstStyle/>
+          <a:p>
+            <a:pPr rtl="0"/>
+            <a:r>
+              <a:rPr lang="zh-CN" altLang="en-US" dirty="0"/>
+              <a:t>总结</a:t>
+            </a:r>
+            <a:endParaRPr lang="zh-cn" dirty="0"/>
+          </a:p>
+        </p:txBody>
+      </p:sp>
+      <p:sp>
+        <p:nvSpPr>
+          <p:cNvPr id="3" name="副标题 2">
+            <a:extLst>
+              <a:ext uri="{FF2B5EF4-FFF2-40B4-BE49-F238E27FC236}">
+                <a16:creationId xmlns:a16="http://schemas.microsoft.com/office/drawing/2014/main" id="{835D6E6B-3353-491C-A3C6-F278D6CED8B3}"/>
+              </a:ext>
+            </a:extLst>
+          </p:cNvPr>
+          <p:cNvSpPr>
+            <a:spLocks noGrp="1"/>
+          </p:cNvSpPr>
+          <p:nvPr>
+            <p:ph type="subTitle" idx="1"/>
+          </p:nvPr>
+        </p:nvSpPr>
+        <p:spPr>
+          <a:xfrm>
+            <a:off x="581194" y="2495445"/>
+            <a:ext cx="10993546" cy="468233"/>
+          </a:xfrm>
+        </p:spPr>
+        <p:txBody>
+          <a:bodyPr rtlCol="0">
+            <a:normAutofit/>
+          </a:bodyPr>
+          <a:lstStyle/>
+          <a:p>
+            <a:pPr rtl="0"/>
+            <a:r>
+              <a:rPr lang="zh-CN" altLang="en-US" dirty="0"/>
+              <a:t>第四部分</a:t>
+            </a:r>
+            <a:endParaRPr lang="zh-cn" dirty="0"/>
+          </a:p>
+        </p:txBody>
+      </p:sp>
+      <p:pic>
+        <p:nvPicPr>
+          <p:cNvPr id="6" name="图片 5" descr="徽标特写&#10;&#10;已自动生成说明">
+            <a:extLst>
+              <a:ext uri="{FF2B5EF4-FFF2-40B4-BE49-F238E27FC236}">
+                <a16:creationId xmlns:a16="http://schemas.microsoft.com/office/drawing/2014/main" id="{F1A8C364-94D4-4630-BAD0-78722F347055}"/>
+              </a:ext>
+            </a:extLst>
+          </p:cNvPr>
+          <p:cNvPicPr>
+            <a:picLocks noChangeAspect="1"/>
+          </p:cNvPicPr>
+          <p:nvPr/>
+        </p:nvPicPr>
+        <p:blipFill rotWithShape="1">
+          <a:blip r:embed="rId2" cstate="hqprint">
+            <a:extLst>
+              <a:ext uri="{28A0092B-C50C-407E-A947-70E740481C1C}">
+                <a14:useLocalDpi xmlns:a14="http://schemas.microsoft.com/office/drawing/2010/main" val="0"/>
+              </a:ext>
+            </a:extLst>
+          </a:blip>
+          <a:srcRect/>
+          <a:stretch/>
+        </p:blipFill>
+        <p:spPr>
+          <a:xfrm>
+            <a:off x="448733" y="3081867"/>
+            <a:ext cx="11260667" cy="3310466"/>
+          </a:xfrm>
+          <a:prstGeom prst="rect">
+            <a:avLst/>
+          </a:prstGeom>
+        </p:spPr>
+      </p:pic>
+    </p:spTree>
+    <p:extLst>
+      <p:ext uri="{BB962C8B-B14F-4D97-AF65-F5344CB8AC3E}">
+        <p14:creationId xmlns:p14="http://schemas.microsoft.com/office/powerpoint/2010/main" val="2304654277"/>
+      </p:ext>
+    </p:extLst>
+  </p:cSld>
+  <p:clrMapOvr>
+    <a:masterClrMapping/>
+  </p:clrMapOvr>
+</p:sld>
+</file>
+
+<file path=ppt/slides/slide22.xml><?xml version="1.0" encoding="utf-8"?>
+<p:sld xmlns:a="http://schemas.openxmlformats.org/drawingml/2006/main" xmlns:r="http://schemas.openxmlformats.org/officeDocument/2006/relationships" xmlns:p="http://schemas.openxmlformats.org/presentationml/2006/main">
+  <p:cSld>
+    <p:spTree>
+      <p:nvGrpSpPr>
+        <p:cNvPr id="1" name=""/>
+        <p:cNvGrpSpPr/>
+        <p:nvPr/>
+      </p:nvGrpSpPr>
+      <p:grpSpPr>
+        <a:xfrm>
+          <a:off x="0" y="0"/>
+          <a:ext cx="0" cy="0"/>
+          <a:chOff x="0" y="0"/>
+          <a:chExt cx="0" cy="0"/>
+        </a:xfrm>
+      </p:grpSpPr>
+      <p:sp>
+        <p:nvSpPr>
+          <p:cNvPr id="2" name="标题 1">
+            <a:extLst>
+              <a:ext uri="{FF2B5EF4-FFF2-40B4-BE49-F238E27FC236}">
+                <a16:creationId xmlns:a16="http://schemas.microsoft.com/office/drawing/2014/main" id="{C5CBA7F9-B564-4C30-A942-2384B910A13D}"/>
+              </a:ext>
+            </a:extLst>
+          </p:cNvPr>
+          <p:cNvSpPr>
+            <a:spLocks noGrp="1"/>
+          </p:cNvSpPr>
+          <p:nvPr>
+            <p:ph type="title"/>
+          </p:nvPr>
+        </p:nvSpPr>
+        <p:spPr/>
+        <p:txBody>
+          <a:bodyPr/>
+          <a:lstStyle/>
+          <a:p>
+            <a:r>
+              <a:rPr lang="zh-CN" altLang="en-US" dirty="0"/>
+              <a:t>提交数目</a:t>
+            </a:r>
+          </a:p>
+        </p:txBody>
+      </p:sp>
+      <p:pic>
+        <p:nvPicPr>
+          <p:cNvPr id="6" name="内容占位符 5">
+            <a:extLst>
+              <a:ext uri="{FF2B5EF4-FFF2-40B4-BE49-F238E27FC236}">
+                <a16:creationId xmlns:a16="http://schemas.microsoft.com/office/drawing/2014/main" id="{3651FF6B-D4AB-4DFF-9CDB-98C6F1B3A8F3}"/>
+              </a:ext>
+            </a:extLst>
+          </p:cNvPr>
+          <p:cNvPicPr>
+            <a:picLocks noGrp="1" noChangeAspect="1"/>
+          </p:cNvPicPr>
+          <p:nvPr>
+            <p:ph idx="1"/>
+          </p:nvPr>
+        </p:nvPicPr>
+        <p:blipFill>
+          <a:blip r:embed="rId2"/>
+          <a:stretch>
+            <a:fillRect/>
+          </a:stretch>
+        </p:blipFill>
+        <p:spPr>
+          <a:xfrm>
+            <a:off x="1602264" y="3137640"/>
+            <a:ext cx="8987471" cy="1829485"/>
+          </a:xfrm>
+        </p:spPr>
+      </p:pic>
+      <p:sp>
+        <p:nvSpPr>
+          <p:cNvPr id="4" name="日期占位符 3">
+            <a:extLst>
+              <a:ext uri="{FF2B5EF4-FFF2-40B4-BE49-F238E27FC236}">
+                <a16:creationId xmlns:a16="http://schemas.microsoft.com/office/drawing/2014/main" id="{26C33562-77E6-47E4-A768-0AA0B997A789}"/>
+              </a:ext>
+            </a:extLst>
+          </p:cNvPr>
+          <p:cNvSpPr>
+            <a:spLocks noGrp="1"/>
+          </p:cNvSpPr>
+          <p:nvPr>
+            <p:ph type="dt" sz="half" idx="10"/>
+          </p:nvPr>
+        </p:nvSpPr>
+        <p:spPr/>
+        <p:txBody>
+          <a:bodyPr/>
+          <a:lstStyle/>
+          <a:p>
+            <a:pPr rtl="0"/>
+            <a:fld id="{F24FFC25-0C05-49C8-B150-3CF6B89B5C55}" type="datetime1">
+              <a:rPr lang="zh-CN" altLang="en-US" smtClean="0"/>
+              <a:t>2021/8/5</a:t>
+            </a:fld>
+            <a:endParaRPr lang="en-US" dirty="0"/>
+          </a:p>
+        </p:txBody>
+      </p:sp>
+    </p:spTree>
+    <p:extLst>
+      <p:ext uri="{BB962C8B-B14F-4D97-AF65-F5344CB8AC3E}">
+        <p14:creationId xmlns:p14="http://schemas.microsoft.com/office/powerpoint/2010/main" val="1387653443"/>
+      </p:ext>
+    </p:extLst>
+  </p:cSld>
+  <p:clrMapOvr>
+    <a:masterClrMapping/>
+  </p:clrMapOvr>
+</p:sld>
+</file>
+
+<file path=ppt/slides/slide23.xml><?xml version="1.0" encoding="utf-8"?>
 <p:sld xmlns:a="http://schemas.openxmlformats.org/drawingml/2006/main" xmlns:r="http://schemas.openxmlformats.org/officeDocument/2006/relationships" xmlns:p="http://schemas.openxmlformats.org/presentationml/2006/main">
   <p:cSld>
     <p:spTree>
@@ -14488,7 +14746,7 @@
             <a:pPr rtl="0"/>
             <a:fld id="{F24FFC25-0C05-49C8-B150-3CF6B89B5C55}" type="datetime1">
               <a:rPr lang="zh-CN" altLang="en-US" smtClean="0"/>
-              <a:t>2021/8/2</a:t>
+              <a:t>2021/8/5</a:t>
             </a:fld>
             <a:endParaRPr lang="en-US" dirty="0"/>
           </a:p>
@@ -14618,7 +14876,7 @@
             <a:pPr rtl="0"/>
             <a:fld id="{F24FFC25-0C05-49C8-B150-3CF6B89B5C55}" type="datetime1">
               <a:rPr lang="zh-CN" altLang="en-US" smtClean="0"/>
-              <a:t>2021/8/2</a:t>
+              <a:t>2021/8/5</a:t>
             </a:fld>
             <a:endParaRPr lang="en-US" dirty="0"/>
           </a:p>
@@ -14638,6 +14896,417 @@
 </file>
 
 <file path=ppt/slides/slide5.xml><?xml version="1.0" encoding="utf-8"?>
+<p:sld xmlns:a="http://schemas.openxmlformats.org/drawingml/2006/main" xmlns:r="http://schemas.openxmlformats.org/officeDocument/2006/relationships" xmlns:p="http://schemas.openxmlformats.org/presentationml/2006/main">
+  <p:cSld>
+    <p:spTree>
+      <p:nvGrpSpPr>
+        <p:cNvPr id="1" name=""/>
+        <p:cNvGrpSpPr/>
+        <p:nvPr/>
+      </p:nvGrpSpPr>
+      <p:grpSpPr>
+        <a:xfrm>
+          <a:off x="0" y="0"/>
+          <a:ext cx="0" cy="0"/>
+          <a:chOff x="0" y="0"/>
+          <a:chExt cx="0" cy="0"/>
+        </a:xfrm>
+      </p:grpSpPr>
+      <p:sp>
+        <p:nvSpPr>
+          <p:cNvPr id="2" name="标题 1">
+            <a:extLst>
+              <a:ext uri="{FF2B5EF4-FFF2-40B4-BE49-F238E27FC236}">
+                <a16:creationId xmlns:a16="http://schemas.microsoft.com/office/drawing/2014/main" id="{6FD8A47C-8206-400C-8398-352ED7B3D57A}"/>
+              </a:ext>
+            </a:extLst>
+          </p:cNvPr>
+          <p:cNvSpPr>
+            <a:spLocks noGrp="1"/>
+          </p:cNvSpPr>
+          <p:nvPr>
+            <p:ph type="title"/>
+          </p:nvPr>
+        </p:nvSpPr>
+        <p:spPr/>
+        <p:txBody>
+          <a:bodyPr/>
+          <a:lstStyle/>
+          <a:p>
+            <a:r>
+              <a:rPr lang="zh-CN" altLang="en-US" dirty="0"/>
+              <a:t>项目分工</a:t>
+            </a:r>
+          </a:p>
+        </p:txBody>
+      </p:sp>
+      <p:graphicFrame>
+        <p:nvGraphicFramePr>
+          <p:cNvPr id="5" name="内容占位符 4">
+            <a:extLst>
+              <a:ext uri="{FF2B5EF4-FFF2-40B4-BE49-F238E27FC236}">
+                <a16:creationId xmlns:a16="http://schemas.microsoft.com/office/drawing/2014/main" id="{CFA6827E-1181-4E51-9694-2D954201B51A}"/>
+              </a:ext>
+            </a:extLst>
+          </p:cNvPr>
+          <p:cNvGraphicFramePr>
+            <a:graphicFrameLocks noGrp="1"/>
+          </p:cNvGraphicFramePr>
+          <p:nvPr>
+            <p:ph idx="1"/>
+            <p:extLst>
+              <p:ext uri="{D42A27DB-BD31-4B8C-83A1-F6EECF244321}">
+                <p14:modId xmlns:p14="http://schemas.microsoft.com/office/powerpoint/2010/main" val="766307083"/>
+              </p:ext>
+            </p:extLst>
+          </p:nvPr>
+        </p:nvGraphicFramePr>
+        <p:xfrm>
+          <a:off x="1693862" y="2547592"/>
+          <a:ext cx="8804275" cy="3219605"/>
+        </p:xfrm>
+        <a:graphic>
+          <a:graphicData uri="http://schemas.openxmlformats.org/drawingml/2006/table">
+            <a:tbl>
+              <a:tblPr>
+                <a:tableStyleId>{5C22544A-7EE6-4342-B048-85BDC9FD1C3A}</a:tableStyleId>
+              </a:tblPr>
+              <a:tblGrid>
+                <a:gridCol w="1173903">
+                  <a:extLst>
+                    <a:ext uri="{9D8B030D-6E8A-4147-A177-3AD203B41FA5}">
+                      <a16:colId xmlns:a16="http://schemas.microsoft.com/office/drawing/2014/main" val="532233044"/>
+                    </a:ext>
+                  </a:extLst>
+                </a:gridCol>
+                <a:gridCol w="7630372">
+                  <a:extLst>
+                    <a:ext uri="{9D8B030D-6E8A-4147-A177-3AD203B41FA5}">
+                      <a16:colId xmlns:a16="http://schemas.microsoft.com/office/drawing/2014/main" val="2312793480"/>
+                    </a:ext>
+                  </a:extLst>
+                </a:gridCol>
+              </a:tblGrid>
+              <a:tr h="643921">
+                <a:tc>
+                  <a:txBody>
+                    <a:bodyPr/>
+                    <a:lstStyle/>
+                    <a:p>
+                      <a:pPr algn="ctr" fontAlgn="ctr"/>
+                      <a:r>
+                        <a:rPr lang="zh-CN" altLang="en-US" sz="1400" u="none" strike="noStrike" dirty="0">
+                          <a:effectLst/>
+                        </a:rPr>
+                        <a:t>罗庆宏</a:t>
+                      </a:r>
+                      <a:endParaRPr lang="zh-CN" altLang="en-US" sz="1400" b="0" i="0" u="none" strike="noStrike" dirty="0">
+                        <a:solidFill>
+                          <a:srgbClr val="000000"/>
+                        </a:solidFill>
+                        <a:effectLst/>
+                        <a:latin typeface="等线" panose="02010600030101010101" pitchFamily="2" charset="-122"/>
+                        <a:ea typeface="等线" panose="02010600030101010101" pitchFamily="2" charset="-122"/>
+                      </a:endParaRPr>
+                    </a:p>
+                  </a:txBody>
+                  <a:tcPr marL="9525" marR="9525" marT="9525" marB="0" anchor="ctr"/>
+                </a:tc>
+                <a:tc>
+                  <a:txBody>
+                    <a:bodyPr/>
+                    <a:lstStyle/>
+                    <a:p>
+                      <a:pPr algn="ctr" fontAlgn="ctr"/>
+                      <a:r>
+                        <a:rPr lang="zh-CN" altLang="en-US" sz="1400" u="none" strike="noStrike" dirty="0">
+                          <a:effectLst/>
+                        </a:rPr>
+                        <a:t>项目搭建、数据库设计、登录验证与授权、大数据展示设计与实现</a:t>
+                      </a:r>
+                      <a:endParaRPr lang="zh-CN" altLang="en-US" sz="1400" b="0" i="0" u="none" strike="noStrike" dirty="0">
+                        <a:solidFill>
+                          <a:srgbClr val="000000"/>
+                        </a:solidFill>
+                        <a:effectLst/>
+                        <a:latin typeface="等线" panose="02010600030101010101" pitchFamily="2" charset="-122"/>
+                        <a:ea typeface="等线" panose="02010600030101010101" pitchFamily="2" charset="-122"/>
+                      </a:endParaRPr>
+                    </a:p>
+                  </a:txBody>
+                  <a:tcPr marL="9525" marR="9525" marT="9525" marB="0" anchor="ctr"/>
+                </a:tc>
+                <a:extLst>
+                  <a:ext uri="{0D108BD9-81ED-4DB2-BD59-A6C34878D82A}">
+                    <a16:rowId xmlns:a16="http://schemas.microsoft.com/office/drawing/2014/main" val="2075823940"/>
+                  </a:ext>
+                </a:extLst>
+              </a:tr>
+              <a:tr h="643921">
+                <a:tc>
+                  <a:txBody>
+                    <a:bodyPr/>
+                    <a:lstStyle/>
+                    <a:p>
+                      <a:pPr algn="ctr" fontAlgn="ctr"/>
+                      <a:r>
+                        <a:rPr lang="zh-CN" altLang="en-US" sz="1400" u="none" strike="noStrike" dirty="0">
+                          <a:effectLst/>
+                        </a:rPr>
+                        <a:t>王道松</a:t>
+                      </a:r>
+                      <a:endParaRPr lang="zh-CN" altLang="en-US" sz="1400" b="0" i="0" u="none" strike="noStrike" dirty="0">
+                        <a:solidFill>
+                          <a:srgbClr val="000000"/>
+                        </a:solidFill>
+                        <a:effectLst/>
+                        <a:latin typeface="等线" panose="02010600030101010101" pitchFamily="2" charset="-122"/>
+                        <a:ea typeface="等线" panose="02010600030101010101" pitchFamily="2" charset="-122"/>
+                      </a:endParaRPr>
+                    </a:p>
+                  </a:txBody>
+                  <a:tcPr marL="9525" marR="9525" marT="9525" marB="0" anchor="ctr"/>
+                </a:tc>
+                <a:tc>
+                  <a:txBody>
+                    <a:bodyPr/>
+                    <a:lstStyle/>
+                    <a:p>
+                      <a:pPr algn="ctr" fontAlgn="ctr"/>
+                      <a:r>
+                        <a:rPr lang="zh-CN" altLang="en-US" sz="1400" u="none" strike="noStrike" dirty="0">
+                          <a:effectLst/>
+                        </a:rPr>
+                        <a:t>账户管理、商家管理、菜系管理、商家的订单查看</a:t>
+                      </a:r>
+                      <a:endParaRPr lang="zh-CN" altLang="en-US" sz="1400" b="0" i="0" u="none" strike="noStrike" dirty="0">
+                        <a:solidFill>
+                          <a:srgbClr val="000000"/>
+                        </a:solidFill>
+                        <a:effectLst/>
+                        <a:latin typeface="等线" panose="02010600030101010101" pitchFamily="2" charset="-122"/>
+                        <a:ea typeface="等线" panose="02010600030101010101" pitchFamily="2" charset="-122"/>
+                      </a:endParaRPr>
+                    </a:p>
+                  </a:txBody>
+                  <a:tcPr marL="9525" marR="9525" marT="9525" marB="0" anchor="ctr"/>
+                </a:tc>
+                <a:extLst>
+                  <a:ext uri="{0D108BD9-81ED-4DB2-BD59-A6C34878D82A}">
+                    <a16:rowId xmlns:a16="http://schemas.microsoft.com/office/drawing/2014/main" val="1282003008"/>
+                  </a:ext>
+                </a:extLst>
+              </a:tr>
+              <a:tr h="643921">
+                <a:tc>
+                  <a:txBody>
+                    <a:bodyPr/>
+                    <a:lstStyle/>
+                    <a:p>
+                      <a:pPr algn="ctr" fontAlgn="ctr"/>
+                      <a:r>
+                        <a:rPr lang="zh-CN" altLang="en-US" sz="1400" u="none" strike="noStrike">
+                          <a:effectLst/>
+                        </a:rPr>
+                        <a:t>陈海彬</a:t>
+                      </a:r>
+                      <a:endParaRPr lang="zh-CN" altLang="en-US" sz="1400" b="0" i="0" u="none" strike="noStrike">
+                        <a:solidFill>
+                          <a:srgbClr val="000000"/>
+                        </a:solidFill>
+                        <a:effectLst/>
+                        <a:latin typeface="等线" panose="02010600030101010101" pitchFamily="2" charset="-122"/>
+                        <a:ea typeface="等线" panose="02010600030101010101" pitchFamily="2" charset="-122"/>
+                      </a:endParaRPr>
+                    </a:p>
+                  </a:txBody>
+                  <a:tcPr marL="9525" marR="9525" marT="9525" marB="0" anchor="ctr"/>
+                </a:tc>
+                <a:tc>
+                  <a:txBody>
+                    <a:bodyPr/>
+                    <a:lstStyle/>
+                    <a:p>
+                      <a:pPr algn="ctr" fontAlgn="ctr"/>
+                      <a:r>
+                        <a:rPr lang="zh-CN" altLang="en-US" sz="1400" u="none" strike="noStrike" dirty="0">
+                          <a:effectLst/>
+                        </a:rPr>
+                        <a:t>商家叫号、商家点单、过号关闭队列</a:t>
+                      </a:r>
+                      <a:endParaRPr lang="zh-CN" altLang="en-US" sz="1400" b="0" i="0" u="none" strike="noStrike" dirty="0">
+                        <a:solidFill>
+                          <a:srgbClr val="000000"/>
+                        </a:solidFill>
+                        <a:effectLst/>
+                        <a:latin typeface="等线" panose="02010600030101010101" pitchFamily="2" charset="-122"/>
+                        <a:ea typeface="等线" panose="02010600030101010101" pitchFamily="2" charset="-122"/>
+                      </a:endParaRPr>
+                    </a:p>
+                  </a:txBody>
+                  <a:tcPr marL="9525" marR="9525" marT="9525" marB="0" anchor="ctr"/>
+                </a:tc>
+                <a:extLst>
+                  <a:ext uri="{0D108BD9-81ED-4DB2-BD59-A6C34878D82A}">
+                    <a16:rowId xmlns:a16="http://schemas.microsoft.com/office/drawing/2014/main" val="3379673152"/>
+                  </a:ext>
+                </a:extLst>
+              </a:tr>
+              <a:tr h="643921">
+                <a:tc>
+                  <a:txBody>
+                    <a:bodyPr/>
+                    <a:lstStyle/>
+                    <a:p>
+                      <a:pPr algn="ctr" fontAlgn="ctr"/>
+                      <a:r>
+                        <a:rPr lang="zh-CN" altLang="en-US" sz="1400" u="none" strike="noStrike">
+                          <a:effectLst/>
+                        </a:rPr>
+                        <a:t>黄伟强</a:t>
+                      </a:r>
+                      <a:endParaRPr lang="zh-CN" altLang="en-US" sz="1400" b="0" i="0" u="none" strike="noStrike">
+                        <a:solidFill>
+                          <a:srgbClr val="000000"/>
+                        </a:solidFill>
+                        <a:effectLst/>
+                        <a:latin typeface="等线" panose="02010600030101010101" pitchFamily="2" charset="-122"/>
+                        <a:ea typeface="等线" panose="02010600030101010101" pitchFamily="2" charset="-122"/>
+                      </a:endParaRPr>
+                    </a:p>
+                  </a:txBody>
+                  <a:tcPr marL="9525" marR="9525" marT="9525" marB="0" anchor="ctr"/>
+                </a:tc>
+                <a:tc>
+                  <a:txBody>
+                    <a:bodyPr/>
+                    <a:lstStyle/>
+                    <a:p>
+                      <a:pPr algn="ctr" fontAlgn="ctr"/>
+                      <a:r>
+                        <a:rPr lang="zh-CN" altLang="en-US" sz="1400" b="1" i="0" u="none" strike="noStrike" dirty="0">
+                          <a:solidFill>
+                            <a:srgbClr val="000000"/>
+                          </a:solidFill>
+                          <a:effectLst/>
+                          <a:latin typeface="等线" panose="02010600030101010101" pitchFamily="2" charset="-122"/>
+                          <a:ea typeface="等线" panose="02010600030101010101" pitchFamily="2" charset="-122"/>
+                        </a:rPr>
+                        <a:t>选择商家、排队、退出队列、查看队列</a:t>
+                      </a:r>
+                    </a:p>
+                  </a:txBody>
+                  <a:tcPr marL="9525" marR="9525" marT="9525" marB="0" anchor="ctr"/>
+                </a:tc>
+                <a:extLst>
+                  <a:ext uri="{0D108BD9-81ED-4DB2-BD59-A6C34878D82A}">
+                    <a16:rowId xmlns:a16="http://schemas.microsoft.com/office/drawing/2014/main" val="2693760030"/>
+                  </a:ext>
+                </a:extLst>
+              </a:tr>
+              <a:tr h="643921">
+                <a:tc>
+                  <a:txBody>
+                    <a:bodyPr/>
+                    <a:lstStyle/>
+                    <a:p>
+                      <a:pPr algn="ctr" fontAlgn="ctr"/>
+                      <a:r>
+                        <a:rPr lang="zh-CN" altLang="en-US" sz="1400" u="none" strike="noStrike">
+                          <a:effectLst/>
+                        </a:rPr>
+                        <a:t>胡宗瑞</a:t>
+                      </a:r>
+                      <a:endParaRPr lang="zh-CN" altLang="en-US" sz="1400" b="0" i="0" u="none" strike="noStrike">
+                        <a:solidFill>
+                          <a:srgbClr val="000000"/>
+                        </a:solidFill>
+                        <a:effectLst/>
+                        <a:latin typeface="等线" panose="02010600030101010101" pitchFamily="2" charset="-122"/>
+                        <a:ea typeface="等线" panose="02010600030101010101" pitchFamily="2" charset="-122"/>
+                      </a:endParaRPr>
+                    </a:p>
+                  </a:txBody>
+                  <a:tcPr marL="9525" marR="9525" marT="9525" marB="0" anchor="ctr"/>
+                </a:tc>
+                <a:tc>
+                  <a:txBody>
+                    <a:bodyPr/>
+                    <a:lstStyle/>
+                    <a:p>
+                      <a:pPr algn="ctr" fontAlgn="ctr"/>
+                      <a:r>
+                        <a:rPr lang="zh-CN" altLang="en-US" sz="1400" u="none" strike="noStrike">
+                          <a:effectLst/>
+                        </a:rPr>
+                        <a:t>商家菜品管理</a:t>
+                      </a:r>
+                      <a:endParaRPr lang="zh-CN" altLang="en-US" sz="1400" b="0" i="0" u="none" strike="noStrike" dirty="0">
+                        <a:solidFill>
+                          <a:srgbClr val="000000"/>
+                        </a:solidFill>
+                        <a:effectLst/>
+                        <a:latin typeface="等线" panose="02010600030101010101" pitchFamily="2" charset="-122"/>
+                        <a:ea typeface="等线" panose="02010600030101010101" pitchFamily="2" charset="-122"/>
+                      </a:endParaRPr>
+                    </a:p>
+                  </a:txBody>
+                  <a:tcPr marL="9525" marR="9525" marT="9525" marB="0" anchor="ctr"/>
+                </a:tc>
+                <a:extLst>
+                  <a:ext uri="{0D108BD9-81ED-4DB2-BD59-A6C34878D82A}">
+                    <a16:rowId xmlns:a16="http://schemas.microsoft.com/office/drawing/2014/main" val="1779054835"/>
+                  </a:ext>
+                </a:extLst>
+              </a:tr>
+            </a:tbl>
+          </a:graphicData>
+        </a:graphic>
+      </p:graphicFrame>
+      <p:sp>
+        <p:nvSpPr>
+          <p:cNvPr id="4" name="日期占位符 3">
+            <a:extLst>
+              <a:ext uri="{FF2B5EF4-FFF2-40B4-BE49-F238E27FC236}">
+                <a16:creationId xmlns:a16="http://schemas.microsoft.com/office/drawing/2014/main" id="{ED317280-6711-4B43-AF16-1B3C79CED63A}"/>
+              </a:ext>
+            </a:extLst>
+          </p:cNvPr>
+          <p:cNvSpPr>
+            <a:spLocks noGrp="1"/>
+          </p:cNvSpPr>
+          <p:nvPr>
+            <p:ph type="dt" sz="half" idx="10"/>
+          </p:nvPr>
+        </p:nvSpPr>
+        <p:spPr/>
+        <p:txBody>
+          <a:bodyPr/>
+          <a:lstStyle/>
+          <a:p>
+            <a:pPr rtl="0"/>
+            <a:fld id="{F24FFC25-0C05-49C8-B150-3CF6B89B5C55}" type="datetime1">
+              <a:rPr lang="zh-CN" altLang="en-US" smtClean="0"/>
+              <a:t>2021/8/5</a:t>
+            </a:fld>
+            <a:endParaRPr lang="en-US" dirty="0"/>
+          </a:p>
+        </p:txBody>
+      </p:sp>
+    </p:spTree>
+    <p:extLst>
+      <p:ext uri="{BB962C8B-B14F-4D97-AF65-F5344CB8AC3E}">
+        <p14:creationId xmlns:p14="http://schemas.microsoft.com/office/powerpoint/2010/main" val="981327259"/>
+      </p:ext>
+    </p:extLst>
+  </p:cSld>
+  <p:clrMapOvr>
+    <a:masterClrMapping/>
+  </p:clrMapOvr>
+</p:sld>
+</file>
+
+<file path=ppt/slides/slide6.xml><?xml version="1.0" encoding="utf-8"?>
 <p:sld xmlns:a="http://schemas.openxmlformats.org/drawingml/2006/main" xmlns:r="http://schemas.openxmlformats.org/officeDocument/2006/relationships" xmlns:p="http://schemas.openxmlformats.org/presentationml/2006/main">
   <p:cSld>
     <p:spTree>
@@ -14735,7 +15404,7 @@
             <a:pPr rtl="0"/>
             <a:fld id="{F24FFC25-0C05-49C8-B150-3CF6B89B5C55}" type="datetime1">
               <a:rPr lang="zh-CN" altLang="en-US" smtClean="0"/>
-              <a:t>2021/8/2</a:t>
+              <a:t>2021/8/5</a:t>
             </a:fld>
             <a:endParaRPr lang="en-US" dirty="0"/>
           </a:p>
@@ -14754,7 +15423,7 @@
 </p:sld>
 </file>
 
-<file path=ppt/slides/slide6.xml><?xml version="1.0" encoding="utf-8"?>
+<file path=ppt/slides/slide7.xml><?xml version="1.0" encoding="utf-8"?>
 <p:sld xmlns:a="http://schemas.openxmlformats.org/drawingml/2006/main" xmlns:r="http://schemas.openxmlformats.org/officeDocument/2006/relationships" xmlns:p="http://schemas.openxmlformats.org/presentationml/2006/main">
   <p:cSld>
     <p:spTree>
@@ -14852,7 +15521,7 @@
             <a:pPr rtl="0"/>
             <a:fld id="{F24FFC25-0C05-49C8-B150-3CF6B89B5C55}" type="datetime1">
               <a:rPr lang="zh-CN" altLang="en-US" smtClean="0"/>
-              <a:t>2021/8/2</a:t>
+              <a:t>2021/8/5</a:t>
             </a:fld>
             <a:endParaRPr lang="en-US" dirty="0"/>
           </a:p>
@@ -14871,7 +15540,7 @@
 </p:sld>
 </file>
 
-<file path=ppt/slides/slide7.xml><?xml version="1.0" encoding="utf-8"?>
+<file path=ppt/slides/slide8.xml><?xml version="1.0" encoding="utf-8"?>
 <p:sld xmlns:a="http://schemas.openxmlformats.org/drawingml/2006/main" xmlns:r="http://schemas.openxmlformats.org/officeDocument/2006/relationships" xmlns:p="http://schemas.openxmlformats.org/presentationml/2006/main">
   <p:cSld>
     <p:spTree>
@@ -14944,7 +15613,7 @@
             <a:pPr rtl="0"/>
             <a:fld id="{F24FFC25-0C05-49C8-B150-3CF6B89B5C55}" type="datetime1">
               <a:rPr lang="zh-CN" altLang="en-US" smtClean="0"/>
-              <a:t>2021/8/2</a:t>
+              <a:t>2021/8/5</a:t>
             </a:fld>
             <a:endParaRPr lang="en-US" dirty="0"/>
           </a:p>
@@ -14986,420 +15655,6 @@
     <p:extLst>
       <p:ext uri="{BB962C8B-B14F-4D97-AF65-F5344CB8AC3E}">
         <p14:creationId xmlns:p14="http://schemas.microsoft.com/office/powerpoint/2010/main" val="3342097060"/>
-      </p:ext>
-    </p:extLst>
-  </p:cSld>
-  <p:clrMapOvr>
-    <a:masterClrMapping/>
-  </p:clrMapOvr>
-</p:sld>
-</file>
-
-<file path=ppt/slides/slide8.xml><?xml version="1.0" encoding="utf-8"?>
-<p:sld xmlns:a="http://schemas.openxmlformats.org/drawingml/2006/main" xmlns:r="http://schemas.openxmlformats.org/officeDocument/2006/relationships" xmlns:p="http://schemas.openxmlformats.org/presentationml/2006/main">
-  <p:cSld>
-    <p:spTree>
-      <p:nvGrpSpPr>
-        <p:cNvPr id="1" name=""/>
-        <p:cNvGrpSpPr/>
-        <p:nvPr/>
-      </p:nvGrpSpPr>
-      <p:grpSpPr>
-        <a:xfrm>
-          <a:off x="0" y="0"/>
-          <a:ext cx="0" cy="0"/>
-          <a:chOff x="0" y="0"/>
-          <a:chExt cx="0" cy="0"/>
-        </a:xfrm>
-      </p:grpSpPr>
-      <p:sp>
-        <p:nvSpPr>
-          <p:cNvPr id="2" name="标题 1">
-            <a:extLst>
-              <a:ext uri="{FF2B5EF4-FFF2-40B4-BE49-F238E27FC236}">
-                <a16:creationId xmlns:a16="http://schemas.microsoft.com/office/drawing/2014/main" id="{6FD8A47C-8206-400C-8398-352ED7B3D57A}"/>
-              </a:ext>
-            </a:extLst>
-          </p:cNvPr>
-          <p:cNvSpPr>
-            <a:spLocks noGrp="1"/>
-          </p:cNvSpPr>
-          <p:nvPr>
-            <p:ph type="title"/>
-          </p:nvPr>
-        </p:nvSpPr>
-        <p:spPr/>
-        <p:txBody>
-          <a:bodyPr/>
-          <a:lstStyle/>
-          <a:p>
-            <a:r>
-              <a:rPr lang="zh-CN" altLang="en-US" dirty="0"/>
-              <a:t>项目分工</a:t>
-            </a:r>
-          </a:p>
-        </p:txBody>
-      </p:sp>
-      <p:graphicFrame>
-        <p:nvGraphicFramePr>
-          <p:cNvPr id="5" name="内容占位符 4">
-            <a:extLst>
-              <a:ext uri="{FF2B5EF4-FFF2-40B4-BE49-F238E27FC236}">
-                <a16:creationId xmlns:a16="http://schemas.microsoft.com/office/drawing/2014/main" id="{CFA6827E-1181-4E51-9694-2D954201B51A}"/>
-              </a:ext>
-            </a:extLst>
-          </p:cNvPr>
-          <p:cNvGraphicFramePr>
-            <a:graphicFrameLocks noGrp="1"/>
-          </p:cNvGraphicFramePr>
-          <p:nvPr>
-            <p:ph idx="1"/>
-            <p:extLst>
-              <p:ext uri="{D42A27DB-BD31-4B8C-83A1-F6EECF244321}">
-                <p14:modId xmlns:p14="http://schemas.microsoft.com/office/powerpoint/2010/main" val="2676122869"/>
-              </p:ext>
-            </p:extLst>
-          </p:nvPr>
-        </p:nvGraphicFramePr>
-        <p:xfrm>
-          <a:off x="2280285" y="2634774"/>
-          <a:ext cx="7631430" cy="2789550"/>
-        </p:xfrm>
-        <a:graphic>
-          <a:graphicData uri="http://schemas.openxmlformats.org/drawingml/2006/table">
-            <a:tbl>
-              <a:tblPr>
-                <a:tableStyleId>{5C22544A-7EE6-4342-B048-85BDC9FD1C3A}</a:tableStyleId>
-              </a:tblPr>
-              <a:tblGrid>
-                <a:gridCol w="1017524">
-                  <a:extLst>
-                    <a:ext uri="{9D8B030D-6E8A-4147-A177-3AD203B41FA5}">
-                      <a16:colId xmlns:a16="http://schemas.microsoft.com/office/drawing/2014/main" val="532233044"/>
-                    </a:ext>
-                  </a:extLst>
-                </a:gridCol>
-                <a:gridCol w="6613906">
-                  <a:extLst>
-                    <a:ext uri="{9D8B030D-6E8A-4147-A177-3AD203B41FA5}">
-                      <a16:colId xmlns:a16="http://schemas.microsoft.com/office/drawing/2014/main" val="2312793480"/>
-                    </a:ext>
-                  </a:extLst>
-                </a:gridCol>
-              </a:tblGrid>
-              <a:tr h="557910">
-                <a:tc>
-                  <a:txBody>
-                    <a:bodyPr/>
-                    <a:lstStyle/>
-                    <a:p>
-                      <a:pPr algn="ctr" fontAlgn="ctr"/>
-                      <a:r>
-                        <a:rPr lang="zh-CN" altLang="en-US" sz="1100" u="none" strike="noStrike" dirty="0">
-                          <a:effectLst/>
-                        </a:rPr>
-                        <a:t>罗庆宏</a:t>
-                      </a:r>
-                      <a:endParaRPr lang="zh-CN" altLang="en-US" sz="1100" b="0" i="0" u="none" strike="noStrike" dirty="0">
-                        <a:solidFill>
-                          <a:srgbClr val="000000"/>
-                        </a:solidFill>
-                        <a:effectLst/>
-                        <a:latin typeface="等线" panose="02010600030101010101" pitchFamily="2" charset="-122"/>
-                        <a:ea typeface="等线" panose="02010600030101010101" pitchFamily="2" charset="-122"/>
-                      </a:endParaRPr>
-                    </a:p>
-                  </a:txBody>
-                  <a:tcPr marL="9525" marR="9525" marT="9525" marB="0" anchor="ctr"/>
-                </a:tc>
-                <a:tc>
-                  <a:txBody>
-                    <a:bodyPr/>
-                    <a:lstStyle/>
-                    <a:p>
-                      <a:pPr algn="ctr" fontAlgn="ctr"/>
-                      <a:r>
-                        <a:rPr lang="zh-CN" altLang="en-US" sz="1100" u="none" strike="noStrike" dirty="0">
-                          <a:effectLst/>
-                        </a:rPr>
-                        <a:t>项目搭建、数据库设计、登录验证与授权、大数据展示设计与实现</a:t>
-                      </a:r>
-                      <a:endParaRPr lang="zh-CN" altLang="en-US" sz="1100" b="0" i="0" u="none" strike="noStrike" dirty="0">
-                        <a:solidFill>
-                          <a:srgbClr val="000000"/>
-                        </a:solidFill>
-                        <a:effectLst/>
-                        <a:latin typeface="等线" panose="02010600030101010101" pitchFamily="2" charset="-122"/>
-                        <a:ea typeface="等线" panose="02010600030101010101" pitchFamily="2" charset="-122"/>
-                      </a:endParaRPr>
-                    </a:p>
-                  </a:txBody>
-                  <a:tcPr marL="9525" marR="9525" marT="9525" marB="0" anchor="ctr"/>
-                </a:tc>
-                <a:extLst>
-                  <a:ext uri="{0D108BD9-81ED-4DB2-BD59-A6C34878D82A}">
-                    <a16:rowId xmlns:a16="http://schemas.microsoft.com/office/drawing/2014/main" val="2075823940"/>
-                  </a:ext>
-                </a:extLst>
-              </a:tr>
-              <a:tr h="557910">
-                <a:tc>
-                  <a:txBody>
-                    <a:bodyPr/>
-                    <a:lstStyle/>
-                    <a:p>
-                      <a:pPr algn="ctr" fontAlgn="ctr"/>
-                      <a:r>
-                        <a:rPr lang="zh-CN" altLang="en-US" sz="1100" u="none" strike="noStrike" dirty="0">
-                          <a:effectLst/>
-                        </a:rPr>
-                        <a:t>王道松</a:t>
-                      </a:r>
-                      <a:endParaRPr lang="zh-CN" altLang="en-US" sz="1100" b="0" i="0" u="none" strike="noStrike" dirty="0">
-                        <a:solidFill>
-                          <a:srgbClr val="000000"/>
-                        </a:solidFill>
-                        <a:effectLst/>
-                        <a:latin typeface="等线" panose="02010600030101010101" pitchFamily="2" charset="-122"/>
-                        <a:ea typeface="等线" panose="02010600030101010101" pitchFamily="2" charset="-122"/>
-                      </a:endParaRPr>
-                    </a:p>
-                  </a:txBody>
-                  <a:tcPr marL="9525" marR="9525" marT="9525" marB="0" anchor="ctr"/>
-                </a:tc>
-                <a:tc>
-                  <a:txBody>
-                    <a:bodyPr/>
-                    <a:lstStyle/>
-                    <a:p>
-                      <a:pPr algn="ctr" fontAlgn="ctr"/>
-                      <a:r>
-                        <a:rPr lang="zh-CN" altLang="en-US" sz="1100" u="none" strike="noStrike" dirty="0">
-                          <a:effectLst/>
-                        </a:rPr>
-                        <a:t>管理员相关页面、商家的订单显示页面</a:t>
-                      </a:r>
-                      <a:endParaRPr lang="zh-CN" altLang="en-US" sz="1100" b="0" i="0" u="none" strike="noStrike" dirty="0">
-                        <a:solidFill>
-                          <a:srgbClr val="000000"/>
-                        </a:solidFill>
-                        <a:effectLst/>
-                        <a:latin typeface="等线" panose="02010600030101010101" pitchFamily="2" charset="-122"/>
-                        <a:ea typeface="等线" panose="02010600030101010101" pitchFamily="2" charset="-122"/>
-                      </a:endParaRPr>
-                    </a:p>
-                  </a:txBody>
-                  <a:tcPr marL="9525" marR="9525" marT="9525" marB="0" anchor="ctr"/>
-                </a:tc>
-                <a:extLst>
-                  <a:ext uri="{0D108BD9-81ED-4DB2-BD59-A6C34878D82A}">
-                    <a16:rowId xmlns:a16="http://schemas.microsoft.com/office/drawing/2014/main" val="1282003008"/>
-                  </a:ext>
-                </a:extLst>
-              </a:tr>
-              <a:tr h="557910">
-                <a:tc>
-                  <a:txBody>
-                    <a:bodyPr/>
-                    <a:lstStyle/>
-                    <a:p>
-                      <a:pPr algn="ctr" fontAlgn="ctr"/>
-                      <a:r>
-                        <a:rPr lang="zh-CN" altLang="en-US" sz="1100" u="none" strike="noStrike">
-                          <a:effectLst/>
-                        </a:rPr>
-                        <a:t>陈海彬</a:t>
-                      </a:r>
-                      <a:endParaRPr lang="zh-CN" altLang="en-US" sz="1100" b="0" i="0" u="none" strike="noStrike">
-                        <a:solidFill>
-                          <a:srgbClr val="000000"/>
-                        </a:solidFill>
-                        <a:effectLst/>
-                        <a:latin typeface="等线" panose="02010600030101010101" pitchFamily="2" charset="-122"/>
-                        <a:ea typeface="等线" panose="02010600030101010101" pitchFamily="2" charset="-122"/>
-                      </a:endParaRPr>
-                    </a:p>
-                  </a:txBody>
-                  <a:tcPr marL="9525" marR="9525" marT="9525" marB="0" anchor="ctr"/>
-                </a:tc>
-                <a:tc>
-                  <a:txBody>
-                    <a:bodyPr/>
-                    <a:lstStyle/>
-                    <a:p>
-                      <a:pPr algn="ctr" fontAlgn="ctr"/>
-                      <a:r>
-                        <a:rPr lang="zh-CN" altLang="en-US" sz="1100" u="none" strike="noStrike" dirty="0">
-                          <a:effectLst/>
-                        </a:rPr>
-                        <a:t>商家叫号主页面、商家点单页面</a:t>
-                      </a:r>
-                      <a:endParaRPr lang="zh-CN" altLang="en-US" sz="1100" b="0" i="0" u="none" strike="noStrike" dirty="0">
-                        <a:solidFill>
-                          <a:srgbClr val="000000"/>
-                        </a:solidFill>
-                        <a:effectLst/>
-                        <a:latin typeface="等线" panose="02010600030101010101" pitchFamily="2" charset="-122"/>
-                        <a:ea typeface="等线" panose="02010600030101010101" pitchFamily="2" charset="-122"/>
-                      </a:endParaRPr>
-                    </a:p>
-                  </a:txBody>
-                  <a:tcPr marL="9525" marR="9525" marT="9525" marB="0" anchor="ctr"/>
-                </a:tc>
-                <a:extLst>
-                  <a:ext uri="{0D108BD9-81ED-4DB2-BD59-A6C34878D82A}">
-                    <a16:rowId xmlns:a16="http://schemas.microsoft.com/office/drawing/2014/main" val="3379673152"/>
-                  </a:ext>
-                </a:extLst>
-              </a:tr>
-              <a:tr h="557910">
-                <a:tc>
-                  <a:txBody>
-                    <a:bodyPr/>
-                    <a:lstStyle/>
-                    <a:p>
-                      <a:pPr algn="ctr" fontAlgn="ctr"/>
-                      <a:r>
-                        <a:rPr lang="zh-CN" altLang="en-US" sz="1100" u="none" strike="noStrike">
-                          <a:effectLst/>
-                        </a:rPr>
-                        <a:t>黄伟强</a:t>
-                      </a:r>
-                      <a:endParaRPr lang="zh-CN" altLang="en-US" sz="1100" b="0" i="0" u="none" strike="noStrike">
-                        <a:solidFill>
-                          <a:srgbClr val="000000"/>
-                        </a:solidFill>
-                        <a:effectLst/>
-                        <a:latin typeface="等线" panose="02010600030101010101" pitchFamily="2" charset="-122"/>
-                        <a:ea typeface="等线" panose="02010600030101010101" pitchFamily="2" charset="-122"/>
-                      </a:endParaRPr>
-                    </a:p>
-                  </a:txBody>
-                  <a:tcPr marL="9525" marR="9525" marT="9525" marB="0" anchor="ctr"/>
-                </a:tc>
-                <a:tc>
-                  <a:txBody>
-                    <a:bodyPr/>
-                    <a:lstStyle/>
-                    <a:p>
-                      <a:pPr algn="ctr" fontAlgn="ctr"/>
-                      <a:r>
-                        <a:rPr lang="zh-CN" altLang="en-US" sz="1100" u="none" strike="noStrike" dirty="0">
-                          <a:effectLst/>
-                        </a:rPr>
-                        <a:t>用户相关页面</a:t>
-                      </a:r>
-                      <a:endParaRPr lang="zh-CN" altLang="en-US" sz="1100" b="0" i="0" u="none" strike="noStrike" dirty="0">
-                        <a:solidFill>
-                          <a:srgbClr val="000000"/>
-                        </a:solidFill>
-                        <a:effectLst/>
-                        <a:latin typeface="等线" panose="02010600030101010101" pitchFamily="2" charset="-122"/>
-                        <a:ea typeface="等线" panose="02010600030101010101" pitchFamily="2" charset="-122"/>
-                      </a:endParaRPr>
-                    </a:p>
-                  </a:txBody>
-                  <a:tcPr marL="9525" marR="9525" marT="9525" marB="0" anchor="ctr"/>
-                </a:tc>
-                <a:extLst>
-                  <a:ext uri="{0D108BD9-81ED-4DB2-BD59-A6C34878D82A}">
-                    <a16:rowId xmlns:a16="http://schemas.microsoft.com/office/drawing/2014/main" val="2693760030"/>
-                  </a:ext>
-                </a:extLst>
-              </a:tr>
-              <a:tr h="557910">
-                <a:tc>
-                  <a:txBody>
-                    <a:bodyPr/>
-                    <a:lstStyle/>
-                    <a:p>
-                      <a:pPr algn="ctr" fontAlgn="ctr"/>
-                      <a:r>
-                        <a:rPr lang="zh-CN" altLang="en-US" sz="1100" u="none" strike="noStrike">
-                          <a:effectLst/>
-                        </a:rPr>
-                        <a:t>胡宗瑞</a:t>
-                      </a:r>
-                      <a:endParaRPr lang="zh-CN" altLang="en-US" sz="1100" b="0" i="0" u="none" strike="noStrike">
-                        <a:solidFill>
-                          <a:srgbClr val="000000"/>
-                        </a:solidFill>
-                        <a:effectLst/>
-                        <a:latin typeface="等线" panose="02010600030101010101" pitchFamily="2" charset="-122"/>
-                        <a:ea typeface="等线" panose="02010600030101010101" pitchFamily="2" charset="-122"/>
-                      </a:endParaRPr>
-                    </a:p>
-                  </a:txBody>
-                  <a:tcPr marL="9525" marR="9525" marT="9525" marB="0" anchor="ctr"/>
-                </a:tc>
-                <a:tc>
-                  <a:txBody>
-                    <a:bodyPr/>
-                    <a:lstStyle/>
-                    <a:p>
-                      <a:pPr algn="ctr" fontAlgn="ctr"/>
-                      <a:r>
-                        <a:rPr lang="zh-CN" altLang="en-US" sz="1100" u="none" strike="noStrike" dirty="0">
-                          <a:effectLst/>
-                        </a:rPr>
-                        <a:t>商家菜品展示页面</a:t>
-                      </a:r>
-                      <a:endParaRPr lang="zh-CN" altLang="en-US" sz="1100" b="0" i="0" u="none" strike="noStrike" dirty="0">
-                        <a:solidFill>
-                          <a:srgbClr val="000000"/>
-                        </a:solidFill>
-                        <a:effectLst/>
-                        <a:latin typeface="等线" panose="02010600030101010101" pitchFamily="2" charset="-122"/>
-                        <a:ea typeface="等线" panose="02010600030101010101" pitchFamily="2" charset="-122"/>
-                      </a:endParaRPr>
-                    </a:p>
-                  </a:txBody>
-                  <a:tcPr marL="9525" marR="9525" marT="9525" marB="0" anchor="ctr"/>
-                </a:tc>
-                <a:extLst>
-                  <a:ext uri="{0D108BD9-81ED-4DB2-BD59-A6C34878D82A}">
-                    <a16:rowId xmlns:a16="http://schemas.microsoft.com/office/drawing/2014/main" val="1779054835"/>
-                  </a:ext>
-                </a:extLst>
-              </a:tr>
-            </a:tbl>
-          </a:graphicData>
-        </a:graphic>
-      </p:graphicFrame>
-      <p:sp>
-        <p:nvSpPr>
-          <p:cNvPr id="4" name="日期占位符 3">
-            <a:extLst>
-              <a:ext uri="{FF2B5EF4-FFF2-40B4-BE49-F238E27FC236}">
-                <a16:creationId xmlns:a16="http://schemas.microsoft.com/office/drawing/2014/main" id="{ED317280-6711-4B43-AF16-1B3C79CED63A}"/>
-              </a:ext>
-            </a:extLst>
-          </p:cNvPr>
-          <p:cNvSpPr>
-            <a:spLocks noGrp="1"/>
-          </p:cNvSpPr>
-          <p:nvPr>
-            <p:ph type="dt" sz="half" idx="10"/>
-          </p:nvPr>
-        </p:nvSpPr>
-        <p:spPr/>
-        <p:txBody>
-          <a:bodyPr/>
-          <a:lstStyle/>
-          <a:p>
-            <a:pPr rtl="0"/>
-            <a:fld id="{F24FFC25-0C05-49C8-B150-3CF6B89B5C55}" type="datetime1">
-              <a:rPr lang="zh-CN" altLang="en-US" smtClean="0"/>
-              <a:t>2021/8/2</a:t>
-            </a:fld>
-            <a:endParaRPr lang="en-US" dirty="0"/>
-          </a:p>
-        </p:txBody>
-      </p:sp>
-    </p:spTree>
-    <p:extLst>
-      <p:ext uri="{BB962C8B-B14F-4D97-AF65-F5344CB8AC3E}">
-        <p14:creationId xmlns:p14="http://schemas.microsoft.com/office/powerpoint/2010/main" val="2493320328"/>
       </p:ext>
     </p:extLst>
   </p:cSld>
